--- a/1.MongoDB/4.MongoDB operations 13_Dec_2020/MongoDB operations.pptx
+++ b/1.MongoDB/4.MongoDB operations 13_Dec_2020/MongoDB operations.pptx
@@ -126,6 +126,11 @@
       </a:defRPr>
     </a:lvl9pPr>
   </p:defaultTextStyle>
+  <p:extLst>
+    <p:ext uri="{EFAFB233-063F-42B5-8137-9DF3F51BA10A}">
+      <p15:sldGuideLst xmlns:p15="http://schemas.microsoft.com/office/powerpoint/2012/main"/>
+    </p:ext>
+  </p:extLst>
 </p:presentation>
 </file>
 
@@ -7828,7 +7833,7 @@
           <a:p>
             <a:r>
               <a:rPr lang="en-IN" b="1" dirty="0"/>
-              <a:t>Update using $</a:t>
+              <a:t>4.3. Update using $</a:t>
             </a:r>
             <a:r>
               <a:rPr lang="en-IN" b="1" dirty="0" err="1"/>
@@ -7926,14 +7931,14 @@
           <a:p>
             <a:r>
               <a:rPr lang="en-IN" b="1" dirty="0"/>
-              <a:t>Delete One</a:t>
+              <a:t>5.1. Delete One</a:t>
             </a:r>
             <a:br>
               <a:rPr lang="en-IN" b="1" dirty="0"/>
             </a:br>
             <a:r>
               <a:rPr lang="en-IN" b="1" dirty="0"/>
-              <a:t>Delete Many</a:t>
+              <a:t>5.2. Delete Many</a:t>
             </a:r>
             <a:endParaRPr lang="en-IN" dirty="0"/>
           </a:p>
@@ -8110,7 +8115,7 @@
           <a:p>
             <a:r>
               <a:rPr lang="en-IN" b="1" dirty="0"/>
-              <a:t>Find One</a:t>
+              <a:t>6.1. Find One</a:t>
             </a:r>
           </a:p>
         </p:txBody>
@@ -8205,14 +8210,14 @@
           <a:p>
             <a:r>
               <a:rPr lang="en-IN" b="1" dirty="0"/>
-              <a:t>Find all name &amp; age</a:t>
+              <a:t>6.2. Find all name &amp; age</a:t>
             </a:r>
             <a:br>
               <a:rPr lang="en-IN" b="1" dirty="0"/>
             </a:br>
             <a:r>
               <a:rPr lang="en-IN" b="1" dirty="0"/>
-              <a:t>Find using $and, $</a:t>
+              <a:t>6.3. Find using $and, $</a:t>
             </a:r>
             <a:r>
               <a:rPr lang="en-IN" b="1" dirty="0" err="1"/>
@@ -8346,14 +8351,14 @@
           <a:p>
             <a:r>
               <a:rPr lang="en-IN" b="1" dirty="0"/>
-              <a:t>Stats() before inserting Document.</a:t>
+              <a:t>7.1. Stats() before inserting Document.</a:t>
             </a:r>
             <a:br>
               <a:rPr lang="en-IN" b="1" dirty="0"/>
             </a:br>
             <a:r>
               <a:rPr lang="en-IN" b="1" dirty="0"/>
-              <a:t>Stats() after inserting Document</a:t>
+              <a:t>7.2. Stats() after inserting Document</a:t>
             </a:r>
           </a:p>
         </p:txBody>
@@ -8482,7 +8487,7 @@
           <a:p>
             <a:r>
               <a:rPr lang="en-IN" b="1" dirty="0"/>
-              <a:t>One to One Relationship</a:t>
+              <a:t>8. One to One Relationship</a:t>
             </a:r>
             <a:br>
               <a:rPr lang="en-IN" b="1" dirty="0"/>
@@ -8582,7 +8587,7 @@
           <a:p>
             <a:r>
               <a:rPr lang="en-IN" b="1" dirty="0"/>
-              <a:t>One to Many Relationship</a:t>
+              <a:t>9. One to Many Relationship</a:t>
             </a:r>
             <a:br>
               <a:rPr lang="en-IN" b="1" dirty="0"/>
@@ -8682,7 +8687,7 @@
           <a:p>
             <a:r>
               <a:rPr lang="en-IN" b="1" dirty="0"/>
-              <a:t>One to Many Relationship</a:t>
+              <a:t>10. One to Many Relationship</a:t>
             </a:r>
             <a:br>
               <a:rPr lang="en-IN" b="1" dirty="0"/>
@@ -8783,7 +8788,7 @@
           <a:p>
             <a:r>
               <a:rPr lang="en-IN" b="1" dirty="0"/>
-              <a:t>Many to Many Relationship</a:t>
+              <a:t>11. Many to Many Relationship</a:t>
             </a:r>
             <a:br>
               <a:rPr lang="en-IN" b="1" dirty="0"/>
@@ -8883,7 +8888,7 @@
           <a:p>
             <a:r>
               <a:rPr lang="en-IN" b="1" dirty="0"/>
-              <a:t>Many to One Relationship</a:t>
+              <a:t>12. Many to One Relationship</a:t>
             </a:r>
             <a:br>
               <a:rPr lang="en-IN" b="1" dirty="0"/>
@@ -9205,7 +9210,7 @@
           <a:p>
             <a:r>
               <a:rPr lang="en-IN" b="1" dirty="0"/>
-              <a:t>Aggregate</a:t>
+              <a:t>13. Aggregate</a:t>
             </a:r>
           </a:p>
         </p:txBody>
@@ -9298,7 +9303,7 @@
           <a:p>
             <a:r>
               <a:rPr lang="en-IN" b="1" dirty="0"/>
-              <a:t>Validation</a:t>
+              <a:t>14. Validation</a:t>
             </a:r>
           </a:p>
         </p:txBody>
@@ -9391,7 +9396,7 @@
           <a:p>
             <a:r>
               <a:rPr lang="en-IN" b="1" dirty="0"/>
-              <a:t>Write Concern</a:t>
+              <a:t>15. Write Concern</a:t>
             </a:r>
           </a:p>
         </p:txBody>
@@ -9484,7 +9489,7 @@
           <a:p>
             <a:r>
               <a:rPr lang="en-IN" b="1" dirty="0"/>
-              <a:t>Next() </a:t>
+              <a:t>16. Next() </a:t>
             </a:r>
             <a:r>
               <a:rPr lang="en-IN" b="1" dirty="0">
@@ -9495,6 +9500,10 @@
             <a:br>
               <a:rPr lang="en-IN" b="1" dirty="0"/>
             </a:br>
+            <a:r>
+              <a:rPr lang="en-IN" b="1" dirty="0"/>
+              <a:t>17. </a:t>
+            </a:r>
             <a:r>
               <a:rPr lang="en-IN" b="1" dirty="0" err="1"/>
               <a:t>ForEach</a:t>
@@ -9979,7 +9988,7 @@
             </a:pPr>
             <a:r>
               <a:rPr lang="en-IN" b="1" dirty="0"/>
-              <a:t> 	17. Next() </a:t>
+              <a:t> 	16. Next() </a:t>
             </a:r>
             <a:r>
               <a:rPr lang="en-IN" b="1" dirty="0">
@@ -9993,8 +10002,8 @@
               <a:buNone/>
             </a:pPr>
             <a:r>
-              <a:rPr lang="en-IN" b="1" dirty="0"/>
-              <a:t>	18. </a:t>
+              <a:rPr lang="en-IN" b="1"/>
+              <a:t>	17. </a:t>
             </a:r>
             <a:r>
               <a:rPr lang="en-IN" b="1" dirty="0" err="1"/>
@@ -10074,14 +10083,14 @@
           <a:p>
             <a:r>
               <a:rPr lang="en-IN" b="1" dirty="0"/>
-              <a:t>Databases view </a:t>
+              <a:t>1.1. Databases view </a:t>
             </a:r>
             <a:br>
               <a:rPr lang="en-IN" b="1" dirty="0"/>
             </a:br>
             <a:r>
               <a:rPr lang="en-IN" b="1" dirty="0"/>
-              <a:t>Database Use</a:t>
+              <a:t>1.2. Database Use</a:t>
             </a:r>
             <a:endParaRPr lang="en-IN" dirty="0"/>
           </a:p>
@@ -10247,14 +10256,14 @@
           <a:p>
             <a:r>
               <a:rPr lang="en-IN" b="1" dirty="0"/>
-              <a:t>Create Collection</a:t>
+              <a:t>2.1. Create Collection</a:t>
             </a:r>
             <a:br>
               <a:rPr lang="en-IN" b="1" dirty="0"/>
             </a:br>
             <a:r>
               <a:rPr lang="en-IN" b="1" dirty="0"/>
-              <a:t>Drop Collection</a:t>
+              <a:t>2.2. Drop Collection</a:t>
             </a:r>
             <a:endParaRPr lang="en-IN" dirty="0"/>
           </a:p>
@@ -10411,14 +10420,14 @@
           <a:p>
             <a:r>
               <a:rPr lang="en-IN" b="1" dirty="0"/>
-              <a:t>Insert One</a:t>
+              <a:t>3.1. Insert One</a:t>
             </a:r>
             <a:br>
               <a:rPr lang="en-IN" b="1" dirty="0"/>
             </a:br>
             <a:r>
               <a:rPr lang="en-IN" b="1" dirty="0"/>
-              <a:t>Insert Many</a:t>
+              <a:t>3.2. Insert Many</a:t>
             </a:r>
           </a:p>
         </p:txBody>
@@ -10547,7 +10556,7 @@
           <a:p>
             <a:r>
               <a:rPr lang="en-IN" b="1" dirty="0"/>
-              <a:t>Update One</a:t>
+              <a:t>4.1. Update One</a:t>
             </a:r>
           </a:p>
         </p:txBody>
@@ -10633,14 +10642,19 @@
             <p:ph type="title"/>
           </p:nvPr>
         </p:nvSpPr>
-        <p:spPr/>
+        <p:spPr>
+          <a:xfrm>
+            <a:off x="2579673" y="624110"/>
+            <a:ext cx="8911687" cy="1280890"/>
+          </a:xfrm>
+        </p:spPr>
         <p:txBody>
           <a:bodyPr/>
           <a:lstStyle/>
           <a:p>
             <a:r>
               <a:rPr lang="en-IN" b="1" dirty="0"/>
-              <a:t>Update using $</a:t>
+              <a:t>4.2. Update using $</a:t>
             </a:r>
             <a:r>
               <a:rPr lang="en-IN" b="1" dirty="0" err="1"/>
